--- a/docs/diagrams/SavePresetCommandSequenceDiagram.pptx
+++ b/docs/diagrams/SavePresetCommandSequenceDiagram.pptx
@@ -3772,7 +3772,7 @@
         <p:spPr>
           <a:xfrm>
             <a:off x="7020648" y="234931"/>
-            <a:ext cx="3516925" cy="7335272"/>
+            <a:ext cx="3516925" cy="6878792"/>
           </a:xfrm>
           <a:prstGeom prst="roundRect">
             <a:avLst>
@@ -3833,7 +3833,7 @@
         <p:spPr>
           <a:xfrm>
             <a:off x="1219882" y="232672"/>
-            <a:ext cx="5815693" cy="7335273"/>
+            <a:ext cx="5815693" cy="6881051"/>
           </a:xfrm>
           <a:prstGeom prst="roundRect">
             <a:avLst>
@@ -6082,8 +6082,8 @@
         </p:nvSpPr>
         <p:spPr>
           <a:xfrm>
-            <a:off x="10543129" y="245650"/>
-            <a:ext cx="3964242" cy="7335273"/>
+            <a:off x="10543129" y="245651"/>
+            <a:ext cx="3366429" cy="6868072"/>
           </a:xfrm>
           <a:prstGeom prst="roundRect">
             <a:avLst>
@@ -6149,8 +6149,8 @@
         </p:nvSpPr>
         <p:spPr>
           <a:xfrm>
-            <a:off x="4840080" y="3062610"/>
-            <a:ext cx="9452695" cy="1822240"/>
+            <a:off x="4840081" y="3062610"/>
+            <a:ext cx="8782930" cy="1822240"/>
           </a:xfrm>
           <a:prstGeom prst="rect">
             <a:avLst/>
@@ -6350,8 +6350,8 @@
         </p:nvSpPr>
         <p:spPr>
           <a:xfrm>
-            <a:off x="6532721" y="3430267"/>
-            <a:ext cx="7506835" cy="1345887"/>
+            <a:off x="6532722" y="3430267"/>
+            <a:ext cx="6919808" cy="1380530"/>
           </a:xfrm>
           <a:prstGeom prst="rect">
             <a:avLst/>
@@ -6484,8 +6484,8 @@
         </p:nvSpPr>
         <p:spPr>
           <a:xfrm>
-            <a:off x="7256399" y="3476066"/>
-            <a:ext cx="1365403" cy="369332"/>
+            <a:off x="7178926" y="3523786"/>
+            <a:ext cx="2549643" cy="184666"/>
           </a:xfrm>
           <a:prstGeom prst="rect">
             <a:avLst/>
@@ -6552,7 +6552,7 @@
         <p:spPr>
           <a:xfrm>
             <a:off x="7944877" y="3913286"/>
-            <a:ext cx="5968399" cy="822289"/>
+            <a:ext cx="5383665" cy="822289"/>
           </a:xfrm>
           <a:prstGeom prst="rect">
             <a:avLst/>
@@ -6685,7 +6685,7 @@
         </p:nvSpPr>
         <p:spPr>
           <a:xfrm>
-            <a:off x="8577246" y="3944284"/>
+            <a:off x="8669271" y="3957522"/>
             <a:ext cx="2307450" cy="184666"/>
           </a:xfrm>
           <a:prstGeom prst="rect">
